--- a/Project_paper/work/Presentation/slides/julie_temp/M902_ProjectPaper_JulTina.pptx
+++ b/Project_paper/work/Presentation/slides/julie_temp/M902_ProjectPaper_JulTina.pptx
@@ -5,10 +5,10 @@
     <p:sldMasterId id="2147483648" r:id="rId1"/>
   </p:sldMasterIdLst>
   <p:sldIdLst>
-    <p:sldId id="274" r:id="rId2"/>
-    <p:sldId id="275" r:id="rId3"/>
-    <p:sldId id="257" r:id="rId4"/>
-    <p:sldId id="263" r:id="rId5"/>
+    <p:sldId id="276" r:id="rId2"/>
+    <p:sldId id="274" r:id="rId3"/>
+    <p:sldId id="275" r:id="rId4"/>
+    <p:sldId id="257" r:id="rId5"/>
     <p:sldId id="264" r:id="rId6"/>
     <p:sldId id="266" r:id="rId7"/>
     <p:sldId id="265" r:id="rId8"/>
@@ -3393,7 +3393,7 @@
                 <a:latin typeface="Arial" panose="020B0604020202020204" pitchFamily="34" charset="0"/>
                 <a:cs typeface="Arial" panose="020B0604020202020204" pitchFamily="34" charset="0"/>
               </a:rPr>
-              <a:t>Proposed System</a:t>
+              <a:t>Game Theory</a:t>
             </a:r>
           </a:p>
         </p:txBody>
@@ -3423,184 +3423,45 @@
           <a:p>
             <a:pPr fontAlgn="base"/>
             <a:r>
-              <a:rPr lang="en-GB" sz="1200" dirty="0"/>
-              <a:t>Our approach is defined in terms of </a:t>
-            </a:r>
-            <a:r>
-              <a:rPr lang="en-GB" sz="1200" b="1" dirty="0"/>
-              <a:t>evolutionary game theory</a:t>
-            </a:r>
-            <a:r>
-              <a:rPr lang="en-GB" sz="1200" dirty="0"/>
-              <a:t>.</a:t>
-            </a:r>
-          </a:p>
-          <a:p>
-            <a:pPr fontAlgn="base"/>
-            <a:r>
-              <a:rPr lang="en-GB" sz="1200" dirty="0"/>
-              <a:t>(To the best of our knowledge,) our method is the first attempt to use a game theoretic framework in the specific NLP task of WSD </a:t>
-            </a:r>
-            <a:endParaRPr lang="en-GB" sz="1100" dirty="0"/>
-          </a:p>
-          <a:p>
-            <a:pPr fontAlgn="base"/>
-            <a:r>
-              <a:rPr lang="en-GB" sz="1200" dirty="0"/>
-              <a:t>WSD task </a:t>
+              <a:rPr lang="en-GB" sz="1400" dirty="0"/>
+              <a:t>A mathematical approach to understand the outcomes of interactions between two or more individuals when benefits and costs of the interactions depend on the strategies of each individual.(+ definitions)</a:t>
             </a:r>
           </a:p>
           <a:p>
             <a:pPr lvl="1" fontAlgn="base"/>
-            <a:r>
-              <a:rPr lang="en-GB" sz="1100" b="1" dirty="0"/>
-              <a:t>sense-</a:t>
-            </a:r>
-            <a:r>
-              <a:rPr lang="en-GB" sz="1100" b="1" dirty="0" err="1"/>
-              <a:t>labeling</a:t>
-            </a:r>
-            <a:r>
-              <a:rPr lang="en-GB" sz="1100" b="1" dirty="0"/>
-              <a:t> task</a:t>
-            </a:r>
-            <a:r>
-              <a:rPr lang="en-GB" sz="1100" dirty="0"/>
-              <a:t> (sense assignment to word)</a:t>
-            </a:r>
-          </a:p>
-          <a:p>
-            <a:pPr lvl="1" fontAlgn="base"/>
-            <a:r>
-              <a:rPr lang="en-GB" sz="1100" b="1" dirty="0"/>
-              <a:t>constraint satisfaction problem</a:t>
-            </a:r>
-            <a:endParaRPr lang="en-GB" sz="1100" dirty="0"/>
-          </a:p>
-          <a:p>
-            <a:pPr fontAlgn="base"/>
-            <a:r>
-              <a:rPr lang="en-GB" sz="1200" dirty="0"/>
-              <a:t>WSD problem modelling in game theoretical terms </a:t>
-            </a:r>
-          </a:p>
-          <a:p>
-            <a:pPr fontAlgn="base"/>
             <a:r>
               <a:rPr lang="en-GB" sz="1200" b="1" dirty="0"/>
               <a:t>players</a:t>
             </a:r>
             <a:r>
               <a:rPr lang="en-GB" sz="1200" dirty="0"/>
-              <a:t> →  words</a:t>
-            </a:r>
-          </a:p>
-          <a:p>
-            <a:pPr fontAlgn="base"/>
+              <a:t> I ( = {1, .., n} )</a:t>
+            </a:r>
+          </a:p>
+          <a:p>
+            <a:pPr lvl="1" fontAlgn="base"/>
             <a:r>
               <a:rPr lang="en-GB" sz="1200" b="1" dirty="0"/>
-              <a:t>strategies</a:t>
+              <a:t>pure strategies</a:t>
             </a:r>
             <a:r>
               <a:rPr lang="en-GB" sz="1200" dirty="0"/>
-              <a:t> →  senses (evolving population)</a:t>
-            </a:r>
-          </a:p>
-          <a:p>
-            <a:pPr fontAlgn="base"/>
+              <a:t> for each player Si  ( = {s1, ..., </a:t>
+            </a:r>
+            <a:r>
+              <a:rPr lang="en-GB" sz="1200" dirty="0" err="1"/>
+              <a:t>sm</a:t>
+            </a:r>
+            <a:r>
+              <a:rPr lang="en-GB" sz="1200" dirty="0"/>
+              <a:t>} )</a:t>
+            </a:r>
+          </a:p>
+          <a:p>
+            <a:pPr lvl="1" fontAlgn="base"/>
             <a:r>
               <a:rPr lang="en-GB" sz="1200" b="1" dirty="0"/>
-              <a:t>payoff</a:t>
-            </a:r>
-            <a:r>
-              <a:rPr lang="en-GB" sz="1200" dirty="0"/>
-              <a:t> matrices →  sense similarity</a:t>
-            </a:r>
-          </a:p>
-          <a:p>
-            <a:pPr fontAlgn="base"/>
-            <a:r>
-              <a:rPr lang="en-GB" sz="1200" b="1" dirty="0"/>
-              <a:t>interactions</a:t>
-            </a:r>
-            <a:r>
-              <a:rPr lang="en-GB" sz="1200" dirty="0"/>
-              <a:t> → weighted graph</a:t>
-            </a:r>
-          </a:p>
-          <a:p>
-            <a:pPr fontAlgn="base"/>
-            <a:r>
-              <a:rPr lang="en-GB" sz="1200" b="1" dirty="0"/>
-              <a:t>Nash equilibria</a:t>
-            </a:r>
-            <a:r>
-              <a:rPr lang="en-GB" sz="1200" dirty="0"/>
-              <a:t> correspond to consistent word-sense assignments</a:t>
-            </a:r>
-          </a:p>
-          <a:p>
-            <a:pPr fontAlgn="base"/>
-            <a:r>
-              <a:rPr lang="en-GB" sz="1200" b="1" dirty="0"/>
-              <a:t>Word-level similarities</a:t>
-            </a:r>
-            <a:r>
-              <a:rPr lang="en-GB" sz="1200" dirty="0"/>
-              <a:t>: proportional to strength of co-occurrence between words</a:t>
-            </a:r>
-          </a:p>
-          <a:p>
-            <a:pPr fontAlgn="base"/>
-            <a:r>
-              <a:rPr lang="en-GB" sz="1200" b="1" dirty="0"/>
-              <a:t>Sense-level similarities</a:t>
-            </a:r>
-            <a:r>
-              <a:rPr lang="en-GB" sz="1200" dirty="0"/>
-              <a:t>: computed using WordNet / </a:t>
-            </a:r>
-            <a:r>
-              <a:rPr lang="en-GB" sz="1200" dirty="0" err="1"/>
-              <a:t>BabelNet</a:t>
-            </a:r>
-            <a:r>
-              <a:rPr lang="en-GB" sz="1200" dirty="0"/>
-              <a:t> ontologies </a:t>
-            </a:r>
-          </a:p>
-          <a:p>
-            <a:r>
-              <a:rPr lang="en-GB" sz="1200" dirty="0"/>
-              <a:t>It assumes that there is a </a:t>
-            </a:r>
-            <a:r>
-              <a:rPr lang="en-GB" sz="1200" b="1" dirty="0"/>
-              <a:t>population</a:t>
-            </a:r>
-            <a:r>
-              <a:rPr lang="en-GB" sz="1200" dirty="0"/>
-              <a:t> of individuals, represented by all the </a:t>
-            </a:r>
-            <a:r>
-              <a:rPr lang="en-GB" sz="1200" b="1" dirty="0"/>
-              <a:t>senses</a:t>
-            </a:r>
-            <a:r>
-              <a:rPr lang="en-GB" sz="1200" dirty="0"/>
-              <a:t> of the words to be disambiguated, and that there is a </a:t>
-            </a:r>
-            <a:r>
-              <a:rPr lang="en-GB" sz="1200" b="1" dirty="0"/>
-              <a:t>selection process</a:t>
-            </a:r>
-            <a:r>
-              <a:rPr lang="en-GB" sz="1200" dirty="0"/>
-              <a:t>, which selects the </a:t>
-            </a:r>
-            <a:r>
-              <a:rPr lang="en-GB" sz="1200" b="1" dirty="0"/>
-              <a:t>best</a:t>
+              <a:t>mixed strategies x</a:t>
             </a:r>
             <a:r>
               <a:rPr lang="en-GB" sz="1200" dirty="0"/>
@@ -3608,27 +3469,175 @@
             </a:r>
             <a:r>
               <a:rPr lang="en-GB" sz="1200" b="1" dirty="0"/>
-              <a:t>candidates</a:t>
+              <a:t>:</a:t>
             </a:r>
             <a:r>
               <a:rPr lang="en-GB" sz="1200" dirty="0"/>
-              <a:t> in the population. The selection process is defined as a </a:t>
-            </a:r>
+              <a:t> A mixed strategy set can be defined as a vector x=(x1,...,</a:t>
+            </a:r>
+            <a:r>
+              <a:rPr lang="en-GB" sz="1200" dirty="0" err="1"/>
+              <a:t>xm</a:t>
+            </a:r>
+            <a:r>
+              <a:rPr lang="en-GB" sz="1200" dirty="0"/>
+              <a:t>), where m is the number of pure strategies and each component </a:t>
+            </a:r>
+            <a:r>
+              <a:rPr lang="en-GB" sz="1200" dirty="0" err="1"/>
+              <a:t>xh</a:t>
+            </a:r>
+            <a:r>
+              <a:rPr lang="en-GB" sz="1200" dirty="0"/>
+              <a:t> denotes the probability that player </a:t>
+            </a:r>
+            <a:r>
+              <a:rPr lang="en-GB" sz="1200" dirty="0" err="1"/>
+              <a:t>i</a:t>
+            </a:r>
+            <a:r>
+              <a:rPr lang="en-GB" sz="1200" dirty="0"/>
+              <a:t> chooses its </a:t>
+            </a:r>
+            <a:r>
+              <a:rPr lang="en-GB" sz="1200" dirty="0" err="1"/>
+              <a:t>hth</a:t>
+            </a:r>
+            <a:r>
+              <a:rPr lang="en-GB" sz="1200" dirty="0"/>
+              <a:t> pure strategy </a:t>
+            </a:r>
+          </a:p>
+          <a:p>
+            <a:pPr lvl="1" fontAlgn="base"/>
             <a:r>
               <a:rPr lang="en-GB" sz="1200" b="1" dirty="0"/>
-              <a:t>sense similarity function</a:t>
+              <a:t>utility</a:t>
             </a:r>
             <a:r>
               <a:rPr lang="en-GB" sz="1200" dirty="0"/>
-              <a:t>, which </a:t>
-            </a:r>
+              <a:t> function </a:t>
+            </a:r>
+            <a:r>
+              <a:rPr lang="en-GB" sz="1200" dirty="0" err="1"/>
+              <a:t>ui</a:t>
+            </a:r>
+            <a:r>
+              <a:rPr lang="en-GB" sz="1200" dirty="0"/>
+              <a:t>  ( : S1 × ... × Sn → R ) : associates strategies to payoffs</a:t>
+            </a:r>
+          </a:p>
+          <a:p>
+            <a:pPr marL="457200" lvl="1" indent="0" fontAlgn="base">
+              <a:buNone/>
+            </a:pPr>
+            <a:endParaRPr lang="en-GB" sz="1200" dirty="0"/>
+          </a:p>
+          <a:p>
+            <a:pPr fontAlgn="base"/>
+            <a:r>
+              <a:rPr lang="en-GB" sz="1400" b="1" dirty="0"/>
+              <a:t>Classical game theory VS Evolutionary game theory</a:t>
+            </a:r>
+            <a:r>
+              <a:rPr lang="en-GB" sz="1400" dirty="0"/>
+              <a:t> </a:t>
+            </a:r>
+          </a:p>
+          <a:p>
+            <a:pPr lvl="1" fontAlgn="base"/>
             <a:r>
               <a:rPr lang="en-GB" sz="1200" b="1" dirty="0"/>
-              <a:t>gives a higher score to candidates with specific features</a:t>
+              <a:t>Static</a:t>
             </a:r>
             <a:r>
               <a:rPr lang="en-GB" sz="1200" dirty="0"/>
-              <a:t>, increasing their fitness to the detriment of the other population members. This process is repeated until the fitness level of the population regularizes and at the end the candidates with higher fitness are selected as solutions of the problem.</a:t>
+              <a:t> strategies (</a:t>
+            </a:r>
+            <a:r>
+              <a:rPr lang="en-GB" sz="1200" b="1" dirty="0"/>
+              <a:t>CGT</a:t>
+            </a:r>
+            <a:r>
+              <a:rPr lang="en-GB" sz="1200" dirty="0"/>
+              <a:t>) VS </a:t>
+            </a:r>
+            <a:r>
+              <a:rPr lang="en-GB" sz="1200" b="1" dirty="0"/>
+              <a:t>Dynamic</a:t>
+            </a:r>
+            <a:r>
+              <a:rPr lang="en-GB" sz="1200" dirty="0"/>
+              <a:t> strategies (</a:t>
+            </a:r>
+            <a:r>
+              <a:rPr lang="en-GB" sz="1200" b="1" dirty="0"/>
+              <a:t>EGT</a:t>
+            </a:r>
+            <a:r>
+              <a:rPr lang="en-GB" sz="1200" dirty="0"/>
+              <a:t>)</a:t>
+            </a:r>
+          </a:p>
+          <a:p>
+            <a:pPr lvl="1" fontAlgn="base"/>
+            <a:r>
+              <a:rPr lang="en-GB" sz="1200" b="1" dirty="0"/>
+              <a:t>Evolutionary game theory </a:t>
+            </a:r>
+            <a:r>
+              <a:rPr lang="en-GB" sz="1200" dirty="0"/>
+              <a:t>(EGT)</a:t>
+            </a:r>
+            <a:r>
+              <a:rPr lang="en-GB" sz="1200" b="1" dirty="0"/>
+              <a:t>:</a:t>
+            </a:r>
+            <a:r>
+              <a:rPr lang="en-GB" sz="1200" dirty="0"/>
+              <a:t> </a:t>
+            </a:r>
+          </a:p>
+          <a:p>
+            <a:pPr lvl="2" fontAlgn="base"/>
+            <a:r>
+              <a:rPr lang="en-GB" sz="1100" dirty="0"/>
+              <a:t>overcoming some limitations of traditional game theory </a:t>
+            </a:r>
+          </a:p>
+          <a:p>
+            <a:pPr lvl="2" fontAlgn="base"/>
+            <a:r>
+              <a:rPr lang="en-GB" sz="1100" dirty="0"/>
+              <a:t>Evolutionary game theory differs from classical game theory in focusing more on the dynamics of strategy change (</a:t>
+            </a:r>
+            <a:r>
+              <a:rPr lang="el-GR" sz="1100" dirty="0"/>
+              <a:t>επανάληψη).</a:t>
+            </a:r>
+          </a:p>
+          <a:p>
+            <a:pPr fontAlgn="base"/>
+            <a:br>
+              <a:rPr lang="el-GR" sz="1400" dirty="0"/>
+            </a:br>
+            <a:r>
+              <a:rPr lang="en-GB" sz="1400" b="1" dirty="0"/>
+              <a:t>Nash equilibrium</a:t>
+            </a:r>
+            <a:r>
+              <a:rPr lang="en-GB" sz="1400" dirty="0"/>
+              <a:t>: set of strategy profiles in which each strategy is a best response to the strategy of the co-player and no player has the incentive to deviate from their decision (no player can increase his own expected payoff by changing his strategy ). </a:t>
+            </a:r>
+          </a:p>
+          <a:p>
+            <a:r>
+              <a:rPr lang="en-GB" sz="1400" b="1" dirty="0"/>
+              <a:t>Payoff</a:t>
+            </a:r>
+            <a:r>
+              <a:rPr lang="en-GB" sz="1400" dirty="0"/>
+              <a:t> matrix: The value associated with a possible outcome of a game (set of strategies)</a:t>
             </a:r>
           </a:p>
         </p:txBody>
@@ -3636,7 +3645,7 @@
     </p:spTree>
     <p:extLst>
       <p:ext uri="{BB962C8B-B14F-4D97-AF65-F5344CB8AC3E}">
-        <p14:creationId xmlns:p14="http://schemas.microsoft.com/office/powerpoint/2010/main" val="1038833058"/>
+        <p14:creationId xmlns:p14="http://schemas.microsoft.com/office/powerpoint/2010/main" val="3190796347"/>
       </p:ext>
     </p:extLst>
   </p:cSld>
@@ -4661,7 +4670,7 @@
                 <a:latin typeface="Arial" panose="020B0604020202020204" pitchFamily="34" charset="0"/>
                 <a:cs typeface="Arial" panose="020B0604020202020204" pitchFamily="34" charset="0"/>
               </a:rPr>
-              <a:t>Figure 5</a:t>
+              <a:t>System Dynamics and Sense Classification</a:t>
             </a:r>
           </a:p>
         </p:txBody>
@@ -4688,6 +4697,13 @@
             <a:noAutofit/>
           </a:bodyPr>
           <a:lstStyle/>
+          <a:p>
+            <a:pPr fontAlgn="base"/>
+            <a:r>
+              <a:rPr lang="en-GB" sz="1200" dirty="0"/>
+              <a:t>Figure 5</a:t>
+            </a:r>
+          </a:p>
           <a:p>
             <a:pPr fontAlgn="base"/>
             <a:r>
@@ -6040,119 +6056,212 @@
           <a:p>
             <a:pPr fontAlgn="base"/>
             <a:r>
-              <a:rPr lang="en-GB" sz="2000" dirty="0"/>
-              <a:t>This approach ensures that the final </a:t>
-            </a:r>
-            <a:r>
-              <a:rPr lang="en-GB" sz="2000" dirty="0" err="1"/>
+              <a:rPr lang="en-GB" sz="1200" dirty="0"/>
+              <a:t>Our approach is defined in terms of </a:t>
+            </a:r>
+            <a:r>
+              <a:rPr lang="en-GB" sz="1200" b="1" dirty="0"/>
+              <a:t>evolutionary game theory</a:t>
+            </a:r>
+            <a:r>
+              <a:rPr lang="en-GB" sz="1200" dirty="0"/>
+              <a:t>.</a:t>
+            </a:r>
+          </a:p>
+          <a:p>
+            <a:pPr fontAlgn="base"/>
+            <a:r>
+              <a:rPr lang="en-GB" sz="1200" dirty="0"/>
+              <a:t>(To the best of our knowledge,) our method is the first attempt to use a game theoretic framework in the specific NLP task of WSD </a:t>
+            </a:r>
+            <a:endParaRPr lang="en-GB" sz="1100" dirty="0"/>
+          </a:p>
+          <a:p>
+            <a:pPr fontAlgn="base"/>
+            <a:r>
+              <a:rPr lang="en-GB" sz="1200" dirty="0"/>
+              <a:t>WSD task </a:t>
+            </a:r>
+          </a:p>
+          <a:p>
+            <a:pPr lvl="1" fontAlgn="base"/>
+            <a:r>
+              <a:rPr lang="en-GB" sz="1100" b="1" dirty="0"/>
+              <a:t>sense-</a:t>
+            </a:r>
+            <a:r>
+              <a:rPr lang="en-GB" sz="1100" b="1" dirty="0" err="1"/>
               <a:t>labeling</a:t>
             </a:r>
             <a:r>
-              <a:rPr lang="en-GB" sz="2000" dirty="0"/>
-              <a:t> of the data is consistent and that the solution of the problem is always found. In fact, our system </a:t>
-            </a:r>
-            <a:r>
-              <a:rPr lang="en-GB" sz="2000" b="1" dirty="0"/>
-              <a:t>always converges to the nearest Nash equilibrium</a:t>
-            </a:r>
-            <a:r>
-              <a:rPr lang="en-GB" sz="2000" dirty="0"/>
-              <a:t> from which the dynamics have been started . </a:t>
-            </a:r>
-            <a:r>
-              <a:rPr lang="en-GB" sz="2000" b="1" dirty="0"/>
-              <a:t>TODO - always converges</a:t>
-            </a:r>
-            <a:endParaRPr lang="en-GB" sz="2000" dirty="0"/>
+              <a:rPr lang="en-GB" sz="1100" b="1" dirty="0"/>
+              <a:t> task</a:t>
+            </a:r>
+            <a:r>
+              <a:rPr lang="en-GB" sz="1100" dirty="0"/>
+              <a:t> (sense assignment to word)</a:t>
+            </a:r>
+          </a:p>
+          <a:p>
+            <a:pPr lvl="1" fontAlgn="base"/>
+            <a:r>
+              <a:rPr lang="en-GB" sz="1100" b="1" dirty="0"/>
+              <a:t>constraint satisfaction problem</a:t>
+            </a:r>
+            <a:endParaRPr lang="en-GB" sz="1100" dirty="0"/>
           </a:p>
           <a:p>
             <a:pPr fontAlgn="base"/>
             <a:r>
-              <a:rPr lang="en-GB" sz="2000" dirty="0"/>
-              <a:t>This approach gives us the possibility not only to exploit the </a:t>
-            </a:r>
-            <a:r>
-              <a:rPr lang="en-GB" sz="2000" b="1" dirty="0"/>
-              <a:t>contextual</a:t>
-            </a:r>
-            <a:r>
-              <a:rPr lang="en-GB" sz="2000" dirty="0"/>
-              <a:t> information of a word but also to find </a:t>
-            </a:r>
-            <a:r>
-              <a:rPr lang="en-GB" sz="2000" b="1" dirty="0"/>
-              <a:t>the most appropriate sense association</a:t>
-            </a:r>
-            <a:r>
-              <a:rPr lang="en-GB" sz="2000" dirty="0"/>
+              <a:rPr lang="en-GB" sz="1200" dirty="0"/>
+              <a:t>WSD problem modelling in game theoretical terms </a:t>
+            </a:r>
+          </a:p>
+          <a:p>
+            <a:pPr fontAlgn="base"/>
+            <a:r>
+              <a:rPr lang="en-GB" sz="1200" b="1" dirty="0"/>
+              <a:t>players</a:t>
+            </a:r>
+            <a:r>
+              <a:rPr lang="en-GB" sz="1200" dirty="0"/>
+              <a:t> →  words</a:t>
+            </a:r>
+          </a:p>
+          <a:p>
+            <a:pPr fontAlgn="base"/>
+            <a:r>
+              <a:rPr lang="en-GB" sz="1200" b="1" dirty="0"/>
+              <a:t>strategies</a:t>
+            </a:r>
+            <a:r>
+              <a:rPr lang="en-GB" sz="1200" dirty="0"/>
+              <a:t> →  senses (evolving population)</a:t>
+            </a:r>
+          </a:p>
+          <a:p>
+            <a:pPr fontAlgn="base"/>
+            <a:r>
+              <a:rPr lang="en-GB" sz="1200" b="1" dirty="0"/>
+              <a:t>payoff</a:t>
+            </a:r>
+            <a:r>
+              <a:rPr lang="en-GB" sz="1200" dirty="0"/>
+              <a:t> matrices →  sense similarity</a:t>
+            </a:r>
+          </a:p>
+          <a:p>
+            <a:pPr fontAlgn="base"/>
+            <a:r>
+              <a:rPr lang="en-GB" sz="1200" b="1" dirty="0"/>
+              <a:t>interactions</a:t>
+            </a:r>
+            <a:r>
+              <a:rPr lang="en-GB" sz="1200" dirty="0"/>
+              <a:t> → weighted graph</a:t>
+            </a:r>
+          </a:p>
+          <a:p>
+            <a:pPr fontAlgn="base"/>
+            <a:r>
+              <a:rPr lang="en-GB" sz="1200" b="1" dirty="0"/>
+              <a:t>Nash equilibria</a:t>
+            </a:r>
+            <a:r>
+              <a:rPr lang="en-GB" sz="1200" dirty="0"/>
+              <a:t> correspond to consistent word-sense assignments</a:t>
+            </a:r>
+          </a:p>
+          <a:p>
+            <a:pPr fontAlgn="base"/>
+            <a:r>
+              <a:rPr lang="en-GB" sz="1200" b="1" dirty="0"/>
+              <a:t>Word-level similarities</a:t>
+            </a:r>
+            <a:r>
+              <a:rPr lang="en-GB" sz="1200" dirty="0"/>
+              <a:t>: proportional to strength of co-occurrence between words</a:t>
+            </a:r>
+          </a:p>
+          <a:p>
+            <a:pPr fontAlgn="base"/>
+            <a:r>
+              <a:rPr lang="en-GB" sz="1200" b="1" dirty="0"/>
+              <a:t>Sense-level similarities</a:t>
+            </a:r>
+            <a:r>
+              <a:rPr lang="en-GB" sz="1200" dirty="0"/>
+              <a:t>: computed using WordNet / </a:t>
+            </a:r>
+            <a:r>
+              <a:rPr lang="en-GB" sz="1200" dirty="0" err="1"/>
+              <a:t>BabelNet</a:t>
+            </a:r>
+            <a:r>
+              <a:rPr lang="en-GB" sz="1200" dirty="0"/>
+              <a:t> ontologies </a:t>
+            </a:r>
+          </a:p>
+          <a:p>
+            <a:r>
+              <a:rPr lang="en-GB" sz="1200" dirty="0"/>
+              <a:t>It assumes that there is a </a:t>
+            </a:r>
+            <a:r>
+              <a:rPr lang="en-GB" sz="1200" b="1" dirty="0"/>
+              <a:t>population</a:t>
+            </a:r>
+            <a:r>
+              <a:rPr lang="en-GB" sz="1200" dirty="0"/>
+              <a:t> of individuals, represented by all the </a:t>
+            </a:r>
+            <a:r>
+              <a:rPr lang="en-GB" sz="1200" b="1" dirty="0"/>
+              <a:t>senses</a:t>
+            </a:r>
+            <a:r>
+              <a:rPr lang="en-GB" sz="1200" dirty="0"/>
+              <a:t> of the words to be disambiguated, and that there is a </a:t>
+            </a:r>
+            <a:r>
+              <a:rPr lang="en-GB" sz="1200" b="1" dirty="0"/>
+              <a:t>selection process</a:t>
+            </a:r>
+            <a:r>
+              <a:rPr lang="en-GB" sz="1200" dirty="0"/>
+              <a:t>, which selects the </a:t>
+            </a:r>
+            <a:r>
+              <a:rPr lang="en-GB" sz="1200" b="1" dirty="0"/>
+              <a:t>best</a:t>
+            </a:r>
+            <a:r>
+              <a:rPr lang="en-GB" sz="1200" dirty="0"/>
               <a:t> </a:t>
             </a:r>
             <a:r>
-              <a:rPr lang="en-GB" sz="2000" b="1" dirty="0"/>
-              <a:t>for the target word and the words in its context.</a:t>
-            </a:r>
-            <a:r>
-              <a:rPr lang="en-GB" sz="2000" dirty="0"/>
-              <a:t> </a:t>
-            </a:r>
-          </a:p>
-          <a:p>
-            <a:pPr fontAlgn="base"/>
-            <a:r>
-              <a:rPr lang="en-GB" sz="2000" dirty="0"/>
-              <a:t>Within a game theoretic framework we are able to cast the WSD problem as a continuous optimization problem, </a:t>
-            </a:r>
-            <a:r>
-              <a:rPr lang="en-GB" sz="2000" b="1" dirty="0"/>
-              <a:t>exploiting contextual information </a:t>
-            </a:r>
-            <a:r>
-              <a:rPr lang="en-GB" sz="2000" b="1" u="sng" dirty="0"/>
-              <a:t>in a dynamic way</a:t>
-            </a:r>
-            <a:endParaRPr lang="en-GB" sz="2000" dirty="0"/>
-          </a:p>
-          <a:p>
-            <a:pPr fontAlgn="base"/>
-            <a:r>
-              <a:rPr lang="en-GB" sz="2000" b="1" dirty="0"/>
-              <a:t>Versatile approach:</a:t>
-            </a:r>
-            <a:r>
-              <a:rPr lang="en-GB" sz="2000" dirty="0"/>
-              <a:t> method is adaptive to different scenarios and to different tasks, and it is possible to use it as </a:t>
-            </a:r>
-            <a:r>
-              <a:rPr lang="en-GB" sz="2000" b="1" dirty="0"/>
-              <a:t>unsupervised</a:t>
-            </a:r>
-            <a:r>
-              <a:rPr lang="en-GB" sz="2000" dirty="0"/>
-              <a:t> or </a:t>
-            </a:r>
-            <a:r>
-              <a:rPr lang="en-GB" sz="2000" b="1" dirty="0"/>
-              <a:t>semi-supervised </a:t>
-            </a:r>
-            <a:r>
-              <a:rPr lang="en-GB" sz="2000" dirty="0"/>
-              <a:t>(new semi-supervised version of the approach, which can exploit the evidence from sense tagged corpora or the most frequent sense heuristic and does not require </a:t>
-            </a:r>
-            <a:r>
-              <a:rPr lang="en-GB" sz="2000" dirty="0" err="1"/>
-              <a:t>labeled</a:t>
-            </a:r>
-            <a:r>
-              <a:rPr lang="en-GB" sz="2000" dirty="0"/>
-              <a:t> nodes to propagate the </a:t>
-            </a:r>
-            <a:r>
-              <a:rPr lang="en-GB" sz="2000" dirty="0" err="1"/>
-              <a:t>labeling</a:t>
-            </a:r>
-            <a:r>
-              <a:rPr lang="en-GB" sz="2000" dirty="0"/>
-              <a:t> information.).</a:t>
+              <a:rPr lang="en-GB" sz="1200" b="1" dirty="0"/>
+              <a:t>candidates</a:t>
+            </a:r>
+            <a:r>
+              <a:rPr lang="en-GB" sz="1200" dirty="0"/>
+              <a:t> in the population. The selection process is defined as a </a:t>
+            </a:r>
+            <a:r>
+              <a:rPr lang="en-GB" sz="1200" b="1" dirty="0"/>
+              <a:t>sense similarity function</a:t>
+            </a:r>
+            <a:r>
+              <a:rPr lang="en-GB" sz="1200" dirty="0"/>
+              <a:t>, which </a:t>
+            </a:r>
+            <a:r>
+              <a:rPr lang="en-GB" sz="1200" b="1" dirty="0"/>
+              <a:t>gives a higher score to candidates with specific features</a:t>
+            </a:r>
+            <a:r>
+              <a:rPr lang="en-GB" sz="1200" dirty="0"/>
+              <a:t>, increasing their fitness to the detriment of the other population members. This process is repeated until the fitness level of the population regularizes and at the end the candidates with higher fitness are selected as solutions of the problem.</a:t>
             </a:r>
           </a:p>
         </p:txBody>
@@ -6160,7 +6269,7 @@
     </p:spTree>
     <p:extLst>
       <p:ext uri="{BB962C8B-B14F-4D97-AF65-F5344CB8AC3E}">
-        <p14:creationId xmlns:p14="http://schemas.microsoft.com/office/powerpoint/2010/main" val="4135216895"/>
+        <p14:creationId xmlns:p14="http://schemas.microsoft.com/office/powerpoint/2010/main" val="1038833058"/>
       </p:ext>
     </p:extLst>
   </p:cSld>
@@ -6215,12 +6324,8 @@
                 <a:latin typeface="Arial" panose="020B0604020202020204" pitchFamily="34" charset="0"/>
                 <a:cs typeface="Arial" panose="020B0604020202020204" pitchFamily="34" charset="0"/>
               </a:rPr>
-              <a:t>Data Modelling</a:t>
-            </a:r>
-            <a:endParaRPr lang="el-GR" sz="4000" dirty="0">
-              <a:latin typeface="Arial" panose="020B0604020202020204" pitchFamily="34" charset="0"/>
-              <a:cs typeface="Arial" panose="020B0604020202020204" pitchFamily="34" charset="0"/>
-            </a:endParaRPr>
+              <a:t>Proposed System</a:t>
+            </a:r>
           </a:p>
         </p:txBody>
       </p:sp>
@@ -6247,121 +6352,129 @@
           </a:bodyPr>
           <a:lstStyle/>
           <a:p>
-            <a:pPr marL="457200" indent="-457200">
-              <a:buFont typeface="+mj-lt"/>
-              <a:buAutoNum type="arabicPeriod"/>
-            </a:pPr>
-            <a:endParaRPr lang="en-US" dirty="0">
-              <a:latin typeface="Arial" panose="020B0604020202020204" pitchFamily="34" charset="0"/>
-              <a:cs typeface="Arial" panose="020B0604020202020204" pitchFamily="34" charset="0"/>
-            </a:endParaRPr>
-          </a:p>
-          <a:p>
-            <a:pPr marL="457200" indent="-457200">
-              <a:buFont typeface="+mj-lt"/>
-              <a:buAutoNum type="arabicPeriod"/>
-            </a:pPr>
-            <a:r>
-              <a:rPr lang="en-US" dirty="0">
-                <a:latin typeface="Arial" panose="020B0604020202020204" pitchFamily="34" charset="0"/>
-                <a:cs typeface="Arial" panose="020B0604020202020204" pitchFamily="34" charset="0"/>
-              </a:rPr>
-              <a:t>Data Geometry</a:t>
-            </a:r>
-          </a:p>
-          <a:p>
-            <a:pPr marL="457200" lvl="1" indent="0">
-              <a:buNone/>
-            </a:pPr>
-            <a:endParaRPr lang="en-US" dirty="0">
-              <a:latin typeface="Arial" panose="020B0604020202020204" pitchFamily="34" charset="0"/>
-              <a:cs typeface="Arial" panose="020B0604020202020204" pitchFamily="34" charset="0"/>
-            </a:endParaRPr>
-          </a:p>
-          <a:p>
-            <a:pPr marL="514350" indent="-514350">
-              <a:buFont typeface="+mj-lt"/>
-              <a:buAutoNum type="arabicPeriod"/>
-            </a:pPr>
-            <a:r>
-              <a:rPr lang="en-US" dirty="0">
-                <a:latin typeface="Arial" panose="020B0604020202020204" pitchFamily="34" charset="0"/>
-                <a:cs typeface="Arial" panose="020B0604020202020204" pitchFamily="34" charset="0"/>
-              </a:rPr>
-              <a:t>Strategy Space</a:t>
-            </a:r>
-          </a:p>
-          <a:p>
-            <a:pPr marL="457200" lvl="1" indent="0">
-              <a:buNone/>
-            </a:pPr>
-            <a:endParaRPr lang="en-US" dirty="0">
-              <a:latin typeface="Arial" panose="020B0604020202020204" pitchFamily="34" charset="0"/>
-              <a:cs typeface="Arial" panose="020B0604020202020204" pitchFamily="34" charset="0"/>
-            </a:endParaRPr>
-          </a:p>
-          <a:p>
-            <a:pPr marL="457200" indent="-457200">
-              <a:buFont typeface="+mj-lt"/>
-              <a:buAutoNum type="arabicPeriod"/>
-            </a:pPr>
-            <a:r>
-              <a:rPr lang="en-US" dirty="0">
-                <a:latin typeface="Arial" panose="020B0604020202020204" pitchFamily="34" charset="0"/>
-                <a:cs typeface="Arial" panose="020B0604020202020204" pitchFamily="34" charset="0"/>
-              </a:rPr>
-              <a:t>Payoff</a:t>
-            </a:r>
-          </a:p>
-          <a:p>
-            <a:pPr marL="457200" indent="-457200">
-              <a:buFont typeface="+mj-lt"/>
-              <a:buAutoNum type="arabicPeriod"/>
-            </a:pPr>
-            <a:endParaRPr lang="en-GB" sz="2400" b="1" dirty="0">
-              <a:latin typeface="Arial" panose="020B0604020202020204" pitchFamily="34" charset="0"/>
-              <a:cs typeface="Arial" panose="020B0604020202020204" pitchFamily="34" charset="0"/>
-            </a:endParaRPr>
-          </a:p>
-          <a:p>
-            <a:pPr marL="457200" indent="-457200">
-              <a:buFont typeface="+mj-lt"/>
-              <a:buAutoNum type="arabicPeriod"/>
-            </a:pPr>
-            <a:r>
-              <a:rPr lang="en-GB" dirty="0">
-                <a:latin typeface="Arial" panose="020B0604020202020204" pitchFamily="34" charset="0"/>
-                <a:cs typeface="Arial" panose="020B0604020202020204" pitchFamily="34" charset="0"/>
-              </a:rPr>
-              <a:t>System Dynamics &amp; Sense Classification</a:t>
-            </a:r>
-            <a:endParaRPr lang="en-US" dirty="0">
-              <a:latin typeface="Arial" panose="020B0604020202020204" pitchFamily="34" charset="0"/>
-              <a:cs typeface="Arial" panose="020B0604020202020204" pitchFamily="34" charset="0"/>
-            </a:endParaRPr>
-          </a:p>
-          <a:p>
-            <a:endParaRPr lang="en-US" sz="3600" dirty="0">
-              <a:latin typeface="Arial" panose="020B0604020202020204" pitchFamily="34" charset="0"/>
-              <a:cs typeface="Arial" panose="020B0604020202020204" pitchFamily="34" charset="0"/>
-            </a:endParaRPr>
-          </a:p>
-          <a:p>
-            <a:pPr marL="457200" indent="-457200">
-              <a:buFont typeface="+mj-lt"/>
-              <a:buAutoNum type="arabicPeriod"/>
-            </a:pPr>
-            <a:endParaRPr lang="en-US" sz="2200" dirty="0">
-              <a:latin typeface="Arial" panose="020B0604020202020204" pitchFamily="34" charset="0"/>
-              <a:cs typeface="Arial" panose="020B0604020202020204" pitchFamily="34" charset="0"/>
-            </a:endParaRPr>
+            <a:pPr fontAlgn="base"/>
+            <a:r>
+              <a:rPr lang="en-GB" sz="2000" dirty="0"/>
+              <a:t>This approach ensures that the final </a:t>
+            </a:r>
+            <a:r>
+              <a:rPr lang="en-GB" sz="2000" dirty="0" err="1"/>
+              <a:t>labeling</a:t>
+            </a:r>
+            <a:r>
+              <a:rPr lang="en-GB" sz="2000" dirty="0"/>
+              <a:t> of the data is consistent and that the solution of the problem is always found. In fact, our system </a:t>
+            </a:r>
+            <a:r>
+              <a:rPr lang="en-GB" sz="2000" b="1" dirty="0"/>
+              <a:t>always converges to the nearest Nash equilibrium</a:t>
+            </a:r>
+            <a:r>
+              <a:rPr lang="en-GB" sz="2000" dirty="0"/>
+              <a:t> from which the dynamics have been started . </a:t>
+            </a:r>
+            <a:r>
+              <a:rPr lang="en-GB" sz="2000" b="1" dirty="0"/>
+              <a:t>TODO - always converges</a:t>
+            </a:r>
+            <a:endParaRPr lang="en-GB" sz="2000" dirty="0"/>
+          </a:p>
+          <a:p>
+            <a:pPr fontAlgn="base"/>
+            <a:r>
+              <a:rPr lang="en-GB" sz="2000" dirty="0"/>
+              <a:t>This approach gives us the possibility not only to exploit the </a:t>
+            </a:r>
+            <a:r>
+              <a:rPr lang="en-GB" sz="2000" b="1" dirty="0"/>
+              <a:t>contextual</a:t>
+            </a:r>
+            <a:r>
+              <a:rPr lang="en-GB" sz="2000" dirty="0"/>
+              <a:t> information of a word but also to find </a:t>
+            </a:r>
+            <a:r>
+              <a:rPr lang="en-GB" sz="2000" b="1" dirty="0"/>
+              <a:t>the most appropriate sense association</a:t>
+            </a:r>
+            <a:r>
+              <a:rPr lang="en-GB" sz="2000" dirty="0"/>
+              <a:t> </a:t>
+            </a:r>
+            <a:r>
+              <a:rPr lang="en-GB" sz="2000" b="1" dirty="0"/>
+              <a:t>for the target word and the words in its context.</a:t>
+            </a:r>
+            <a:r>
+              <a:rPr lang="en-GB" sz="2000" dirty="0"/>
+              <a:t> </a:t>
+            </a:r>
+          </a:p>
+          <a:p>
+            <a:pPr fontAlgn="base"/>
+            <a:r>
+              <a:rPr lang="en-GB" sz="2000" dirty="0"/>
+              <a:t>Within a game theoretic framework we are able to cast the WSD problem as a continuous optimization problem, </a:t>
+            </a:r>
+            <a:r>
+              <a:rPr lang="en-GB" sz="2000" b="1" dirty="0"/>
+              <a:t>exploiting contextual information </a:t>
+            </a:r>
+            <a:r>
+              <a:rPr lang="en-GB" sz="2000" b="1" u="sng" dirty="0"/>
+              <a:t>in a dynamic way</a:t>
+            </a:r>
+            <a:endParaRPr lang="en-GB" sz="2000" dirty="0"/>
+          </a:p>
+          <a:p>
+            <a:pPr fontAlgn="base"/>
+            <a:r>
+              <a:rPr lang="en-GB" sz="2000" b="1" dirty="0"/>
+              <a:t>Versatile approach:</a:t>
+            </a:r>
+            <a:r>
+              <a:rPr lang="en-GB" sz="2000" dirty="0"/>
+              <a:t> method is adaptive to different scenarios and to different tasks, and it is possible to use it as </a:t>
+            </a:r>
+            <a:r>
+              <a:rPr lang="en-GB" sz="2000" b="1" dirty="0"/>
+              <a:t>unsupervised</a:t>
+            </a:r>
+            <a:r>
+              <a:rPr lang="en-GB" sz="2000" dirty="0"/>
+              <a:t> or </a:t>
+            </a:r>
+            <a:r>
+              <a:rPr lang="en-GB" sz="2000" b="1" dirty="0"/>
+              <a:t>semi-supervised </a:t>
+            </a:r>
+            <a:r>
+              <a:rPr lang="en-GB" sz="2000" dirty="0"/>
+              <a:t>(new semi-supervised version of the approach, which can exploit the evidence from sense tagged corpora or the most frequent sense heuristic and does not require </a:t>
+            </a:r>
+            <a:r>
+              <a:rPr lang="en-GB" sz="2000" dirty="0" err="1"/>
+              <a:t>labeled</a:t>
+            </a:r>
+            <a:r>
+              <a:rPr lang="en-GB" sz="2000" dirty="0"/>
+              <a:t> nodes to propagate the </a:t>
+            </a:r>
+            <a:r>
+              <a:rPr lang="en-GB" sz="2000" dirty="0" err="1"/>
+              <a:t>labeling</a:t>
+            </a:r>
+            <a:r>
+              <a:rPr lang="en-GB" sz="2000" dirty="0"/>
+              <a:t> information.).</a:t>
+            </a:r>
           </a:p>
         </p:txBody>
       </p:sp>
     </p:spTree>
     <p:extLst>
       <p:ext uri="{BB962C8B-B14F-4D97-AF65-F5344CB8AC3E}">
-        <p14:creationId xmlns:p14="http://schemas.microsoft.com/office/powerpoint/2010/main" val="1794260127"/>
+        <p14:creationId xmlns:p14="http://schemas.microsoft.com/office/powerpoint/2010/main" val="4135216895"/>
       </p:ext>
     </p:extLst>
   </p:cSld>
@@ -6412,7 +6525,7 @@
           <a:lstStyle/>
           <a:p>
             <a:r>
-              <a:rPr lang="en-US" sz="4000">
+              <a:rPr lang="en-US" sz="4000" dirty="0">
                 <a:latin typeface="Arial" panose="020B0604020202020204" pitchFamily="34" charset="0"/>
                 <a:cs typeface="Arial" panose="020B0604020202020204" pitchFamily="34" charset="0"/>
               </a:rPr>
@@ -6452,8 +6565,18 @@
               <a:buFont typeface="+mj-lt"/>
               <a:buAutoNum type="arabicPeriod"/>
             </a:pPr>
-            <a:r>
-              <a:rPr lang="en-US" sz="2000" b="1" dirty="0">
+            <a:endParaRPr lang="en-US" dirty="0">
+              <a:latin typeface="Arial" panose="020B0604020202020204" pitchFamily="34" charset="0"/>
+              <a:cs typeface="Arial" panose="020B0604020202020204" pitchFamily="34" charset="0"/>
+            </a:endParaRPr>
+          </a:p>
+          <a:p>
+            <a:pPr marL="457200" indent="-457200">
+              <a:buFont typeface="+mj-lt"/>
+              <a:buAutoNum type="arabicPeriod"/>
+            </a:pPr>
+            <a:r>
+              <a:rPr lang="en-US" dirty="0">
                 <a:latin typeface="Arial" panose="020B0604020202020204" pitchFamily="34" charset="0"/>
                 <a:cs typeface="Arial" panose="020B0604020202020204" pitchFamily="34" charset="0"/>
               </a:rPr>
@@ -6461,30 +6584,10 @@
             </a:r>
           </a:p>
           <a:p>
-            <a:pPr lvl="1"/>
-            <a:r>
-              <a:rPr lang="en-US" sz="1800" dirty="0">
-                <a:latin typeface="Arial" panose="020B0604020202020204" pitchFamily="34" charset="0"/>
-                <a:cs typeface="Arial" panose="020B0604020202020204" pitchFamily="34" charset="0"/>
-              </a:rPr>
-              <a:t>Word Similarity → Players’ Interactions</a:t>
-            </a:r>
-          </a:p>
-          <a:p>
-            <a:pPr lvl="1"/>
-            <a:r>
-              <a:rPr lang="en-US" sz="1800" dirty="0">
-                <a:latin typeface="Arial" panose="020B0604020202020204" pitchFamily="34" charset="0"/>
-                <a:cs typeface="Arial" panose="020B0604020202020204" pitchFamily="34" charset="0"/>
-              </a:rPr>
-              <a:t>Association &amp; Proximity</a:t>
-            </a:r>
-          </a:p>
-          <a:p>
             <a:pPr marL="457200" lvl="1" indent="0">
               <a:buNone/>
             </a:pPr>
-            <a:endParaRPr lang="en-US" sz="1800" dirty="0">
+            <a:endParaRPr lang="en-US" dirty="0">
               <a:latin typeface="Arial" panose="020B0604020202020204" pitchFamily="34" charset="0"/>
               <a:cs typeface="Arial" panose="020B0604020202020204" pitchFamily="34" charset="0"/>
             </a:endParaRPr>
@@ -6495,7 +6598,7 @@
               <a:buAutoNum type="arabicPeriod"/>
             </a:pPr>
             <a:r>
-              <a:rPr lang="en-US" sz="2000" b="1" dirty="0">
+              <a:rPr lang="en-US" dirty="0">
                 <a:latin typeface="Arial" panose="020B0604020202020204" pitchFamily="34" charset="0"/>
                 <a:cs typeface="Arial" panose="020B0604020202020204" pitchFamily="34" charset="0"/>
               </a:rPr>
@@ -6503,20 +6606,10 @@
             </a:r>
           </a:p>
           <a:p>
-            <a:pPr lvl="1"/>
-            <a:r>
-              <a:rPr lang="en-US" sz="1800" dirty="0">
-                <a:latin typeface="Arial" panose="020B0604020202020204" pitchFamily="34" charset="0"/>
-                <a:cs typeface="Arial" panose="020B0604020202020204" pitchFamily="34" charset="0"/>
-              </a:rPr>
-              <a:t>Sense Inventories</a:t>
-            </a:r>
-          </a:p>
-          <a:p>
             <a:pPr marL="457200" lvl="1" indent="0">
               <a:buNone/>
             </a:pPr>
-            <a:endParaRPr lang="en-US" sz="1800" dirty="0">
+            <a:endParaRPr lang="en-US" dirty="0">
               <a:latin typeface="Arial" panose="020B0604020202020204" pitchFamily="34" charset="0"/>
               <a:cs typeface="Arial" panose="020B0604020202020204" pitchFamily="34" charset="0"/>
             </a:endParaRPr>
@@ -6527,7 +6620,7 @@
               <a:buAutoNum type="arabicPeriod"/>
             </a:pPr>
             <a:r>
-              <a:rPr lang="en-US" sz="2000" b="1" dirty="0">
+              <a:rPr lang="en-US" dirty="0">
                 <a:latin typeface="Arial" panose="020B0604020202020204" pitchFamily="34" charset="0"/>
                 <a:cs typeface="Arial" panose="020B0604020202020204" pitchFamily="34" charset="0"/>
               </a:rPr>
@@ -6535,58 +6628,34 @@
             </a:r>
           </a:p>
           <a:p>
-            <a:pPr lvl="1"/>
-            <a:r>
-              <a:rPr lang="en-US" sz="1800" dirty="0">
-                <a:latin typeface="Arial" panose="020B0604020202020204" pitchFamily="34" charset="0"/>
-                <a:cs typeface="Arial" panose="020B0604020202020204" pitchFamily="34" charset="0"/>
-              </a:rPr>
-              <a:t>Semantic Similarity → likeness relations</a:t>
-            </a:r>
-          </a:p>
-          <a:p>
-            <a:pPr lvl="1"/>
-            <a:r>
-              <a:rPr lang="en-US" sz="1800" dirty="0">
-                <a:latin typeface="Arial" panose="020B0604020202020204" pitchFamily="34" charset="0"/>
-                <a:cs typeface="Arial" panose="020B0604020202020204" pitchFamily="34" charset="0"/>
-              </a:rPr>
-              <a:t>Semantic Relatedness → wider range of relations</a:t>
-            </a:r>
-            <a:r>
-              <a:rPr lang="en-GB" b="1" dirty="0"/>
-              <a:t> </a:t>
-            </a:r>
-            <a:endParaRPr lang="en-GB" sz="2800" b="1" dirty="0"/>
-          </a:p>
-          <a:p>
-            <a:pPr marL="457200" lvl="1" indent="0">
-              <a:buNone/>
-            </a:pPr>
-            <a:endParaRPr lang="en-GB" sz="1800" b="1" dirty="0">
-              <a:latin typeface="Arial" panose="020B0604020202020204" pitchFamily="34" charset="0"/>
-              <a:cs typeface="Arial" panose="020B0604020202020204" pitchFamily="34" charset="0"/>
-            </a:endParaRPr>
-          </a:p>
-          <a:p>
             <a:pPr marL="457200" indent="-457200">
               <a:buFont typeface="+mj-lt"/>
               <a:buAutoNum type="arabicPeriod"/>
             </a:pPr>
-            <a:r>
-              <a:rPr lang="en-GB" sz="2000" dirty="0">
+            <a:endParaRPr lang="en-GB" sz="2400" b="1" dirty="0">
+              <a:latin typeface="Arial" panose="020B0604020202020204" pitchFamily="34" charset="0"/>
+              <a:cs typeface="Arial" panose="020B0604020202020204" pitchFamily="34" charset="0"/>
+            </a:endParaRPr>
+          </a:p>
+          <a:p>
+            <a:pPr marL="457200" indent="-457200">
+              <a:buFont typeface="+mj-lt"/>
+              <a:buAutoNum type="arabicPeriod"/>
+            </a:pPr>
+            <a:r>
+              <a:rPr lang="en-GB" dirty="0">
                 <a:latin typeface="Arial" panose="020B0604020202020204" pitchFamily="34" charset="0"/>
                 <a:cs typeface="Arial" panose="020B0604020202020204" pitchFamily="34" charset="0"/>
               </a:rPr>
               <a:t>System Dynamics &amp; Sense Classification</a:t>
             </a:r>
-            <a:endParaRPr lang="en-US" sz="2000" dirty="0">
+            <a:endParaRPr lang="en-US" dirty="0">
               <a:latin typeface="Arial" panose="020B0604020202020204" pitchFamily="34" charset="0"/>
               <a:cs typeface="Arial" panose="020B0604020202020204" pitchFamily="34" charset="0"/>
             </a:endParaRPr>
           </a:p>
           <a:p>
-            <a:endParaRPr lang="en-US" sz="2400" dirty="0">
+            <a:endParaRPr lang="en-US" sz="3600" dirty="0">
               <a:latin typeface="Arial" panose="020B0604020202020204" pitchFamily="34" charset="0"/>
               <a:cs typeface="Arial" panose="020B0604020202020204" pitchFamily="34" charset="0"/>
             </a:endParaRPr>
@@ -6596,7 +6665,7 @@
               <a:buFont typeface="+mj-lt"/>
               <a:buAutoNum type="arabicPeriod"/>
             </a:pPr>
-            <a:endParaRPr lang="en-US" sz="2400" dirty="0">
+            <a:endParaRPr lang="en-US" sz="2200" dirty="0">
               <a:latin typeface="Arial" panose="020B0604020202020204" pitchFamily="34" charset="0"/>
               <a:cs typeface="Arial" panose="020B0604020202020204" pitchFamily="34" charset="0"/>
             </a:endParaRPr>
@@ -6606,7 +6675,7 @@
     </p:spTree>
     <p:extLst>
       <p:ext uri="{BB962C8B-B14F-4D97-AF65-F5344CB8AC3E}">
-        <p14:creationId xmlns:p14="http://schemas.microsoft.com/office/powerpoint/2010/main" val="2976460622"/>
+        <p14:creationId xmlns:p14="http://schemas.microsoft.com/office/powerpoint/2010/main" val="1794260127"/>
       </p:ext>
     </p:extLst>
   </p:cSld>
